--- a/contrôles robot 2025.pptx
+++ b/contrôles robot 2025.pptx
@@ -115,6 +115,11 @@
       </a:defRPr>
     </a:lvl9pPr>
   </p:defaultTextStyle>
+  <p:extLst>
+    <p:ext uri="{EFAFB233-063F-42B5-8137-9DF3F51BA10A}">
+      <p15:sldGuideLst xmlns:p15="http://schemas.microsoft.com/office/powerpoint/2012/main"/>
+    </p:ext>
+  </p:extLst>
 </p:presentation>
 </file>
 
@@ -10615,7 +10620,7 @@
         <p:spPr>
           <a:xfrm>
             <a:off x="8564760" y="4151880"/>
-            <a:ext cx="1001520" cy="272520"/>
+            <a:ext cx="1571625" cy="275545"/>
           </a:xfrm>
           <a:prstGeom prst="rect">
             <a:avLst/>
@@ -10649,16 +10654,46 @@
               </a:lnSpc>
             </a:pPr>
             <a:r>
-              <a:rPr lang="en-US" sz="1200" b="0" u="none" strike="noStrike">
+              <a:rPr lang="en-US" sz="1200" b="0" u="none" strike="noStrike" dirty="0">
                 <a:solidFill>
                   <a:schemeClr val="dk1"/>
                 </a:solidFill>
                 <a:uFillTx/>
                 <a:latin typeface="Calibri"/>
               </a:rPr>
-              <a:t>Brake swerve</a:t>
-            </a:r>
-            <a:endParaRPr lang="fr-CA" sz="1200" b="0" u="none" strike="noStrike">
+              <a:t>Bras </a:t>
+            </a:r>
+            <a:r>
+              <a:rPr lang="en-US" sz="1200" b="0" u="none" strike="noStrike" dirty="0" err="1">
+                <a:solidFill>
+                  <a:schemeClr val="dk1"/>
+                </a:solidFill>
+                <a:uFillTx/>
+                <a:latin typeface="Calibri"/>
+              </a:rPr>
+              <a:t>en</a:t>
+            </a:r>
+            <a:r>
+              <a:rPr lang="en-US" sz="1200" b="0" u="none" strike="noStrike" dirty="0">
+                <a:solidFill>
+                  <a:schemeClr val="dk1"/>
+                </a:solidFill>
+                <a:uFillTx/>
+                <a:latin typeface="Calibri"/>
+              </a:rPr>
+              <a:t> position </a:t>
+            </a:r>
+            <a:r>
+              <a:rPr lang="en-US" sz="1200" b="0" u="none" strike="noStrike" dirty="0" err="1">
+                <a:solidFill>
+                  <a:schemeClr val="dk1"/>
+                </a:solidFill>
+                <a:uFillTx/>
+                <a:latin typeface="Calibri"/>
+              </a:rPr>
+              <a:t>basse</a:t>
+            </a:r>
+            <a:endParaRPr lang="fr-CA" sz="1200" b="0" u="none" strike="noStrike" dirty="0">
               <a:solidFill>
                 <a:srgbClr val="000000"/>
               </a:solidFill>
@@ -12498,8 +12533,8 @@
         </p:nvSpPr>
         <p:spPr>
           <a:xfrm>
-            <a:off x="4530600" y="873720"/>
-            <a:ext cx="517680" cy="272520"/>
+            <a:off x="4012627" y="1001520"/>
+            <a:ext cx="1571625" cy="275545"/>
           </a:xfrm>
           <a:prstGeom prst="rect">
             <a:avLst/>
@@ -12527,22 +12562,52 @@
           </a:bodyPr>
           <a:lstStyle/>
           <a:p>
-            <a:pPr algn="ctr" defTabSz="914400">
+            <a:pPr defTabSz="914400">
               <a:lnSpc>
                 <a:spcPct val="100000"/>
               </a:lnSpc>
             </a:pPr>
             <a:r>
-              <a:rPr lang="en-US" sz="1200" b="0" u="none" strike="noStrike">
+              <a:rPr lang="en-US" sz="1200" b="0" u="none" strike="noStrike" dirty="0">
                 <a:solidFill>
                   <a:schemeClr val="dk1"/>
                 </a:solidFill>
                 <a:uFillTx/>
                 <a:latin typeface="Calibri"/>
               </a:rPr>
-              <a:t>(rien)</a:t>
-            </a:r>
-            <a:endParaRPr lang="fr-CA" sz="1200" b="0" u="none" strike="noStrike">
+              <a:t>Bras </a:t>
+            </a:r>
+            <a:r>
+              <a:rPr lang="en-US" sz="1200" b="0" u="none" strike="noStrike" dirty="0" err="1">
+                <a:solidFill>
+                  <a:schemeClr val="dk1"/>
+                </a:solidFill>
+                <a:uFillTx/>
+                <a:latin typeface="Calibri"/>
+              </a:rPr>
+              <a:t>en</a:t>
+            </a:r>
+            <a:r>
+              <a:rPr lang="en-US" sz="1200" b="0" u="none" strike="noStrike" dirty="0">
+                <a:solidFill>
+                  <a:schemeClr val="dk1"/>
+                </a:solidFill>
+                <a:uFillTx/>
+                <a:latin typeface="Calibri"/>
+              </a:rPr>
+              <a:t> position </a:t>
+            </a:r>
+            <a:r>
+              <a:rPr lang="en-US" sz="1200" b="0" u="none" strike="noStrike" dirty="0" err="1">
+                <a:solidFill>
+                  <a:schemeClr val="dk1"/>
+                </a:solidFill>
+                <a:uFillTx/>
+                <a:latin typeface="Calibri"/>
+              </a:rPr>
+              <a:t>basse</a:t>
+            </a:r>
+            <a:endParaRPr lang="fr-CA" sz="1200" b="0" u="none" strike="noStrike" dirty="0">
               <a:solidFill>
                 <a:srgbClr val="000000"/>
               </a:solidFill>

--- a/contrôles robot 2025.pptx
+++ b/contrôles robot 2025.pptx
@@ -10241,14 +10241,14 @@
       </p:sp>
       <p:sp>
         <p:nvSpPr>
-          <p:cNvPr id="84" name="TextBox 43"/>
+          <p:cNvPr id="85" name="TextBox 45"/>
           <p:cNvSpPr/>
           <p:nvPr/>
         </p:nvSpPr>
         <p:spPr>
           <a:xfrm>
-            <a:off x="3938040" y="5596560"/>
-            <a:ext cx="517680" cy="272520"/>
+            <a:off x="5263989" y="5757839"/>
+            <a:ext cx="539228" cy="275545"/>
           </a:xfrm>
           <a:prstGeom prst="rect">
             <a:avLst/>
@@ -10282,84 +10282,15 @@
               </a:lnSpc>
             </a:pPr>
             <a:r>
-              <a:rPr lang="en-US" sz="1200" b="0" u="none" strike="noStrike">
-                <a:solidFill>
-                  <a:schemeClr val="dk1"/>
-                </a:solidFill>
-                <a:uFillTx/>
-                <a:latin typeface="Calibri"/>
+              <a:rPr lang="fr-CA" sz="1200" b="0" u="none" strike="noStrike" dirty="0">
+                <a:solidFill>
+                  <a:srgbClr val="000000"/>
+                </a:solidFill>
+                <a:uFillTx/>
+                <a:latin typeface="Arial"/>
               </a:rPr>
               <a:t>(rien)</a:t>
             </a:r>
-            <a:endParaRPr lang="fr-CA" sz="1200" b="0" u="none" strike="noStrike">
-              <a:solidFill>
-                <a:srgbClr val="000000"/>
-              </a:solidFill>
-              <a:uFillTx/>
-              <a:latin typeface="Arial"/>
-            </a:endParaRPr>
-          </a:p>
-        </p:txBody>
-      </p:sp>
-      <p:sp>
-        <p:nvSpPr>
-          <p:cNvPr id="85" name="TextBox 45"/>
-          <p:cNvSpPr/>
-          <p:nvPr/>
-        </p:nvSpPr>
-        <p:spPr>
-          <a:xfrm>
-            <a:off x="5257440" y="5873760"/>
-            <a:ext cx="517680" cy="272520"/>
-          </a:xfrm>
-          <a:prstGeom prst="rect">
-            <a:avLst/>
-          </a:prstGeom>
-          <a:noFill/>
-          <a:ln w="0">
-            <a:noFill/>
-          </a:ln>
-        </p:spPr>
-        <p:style>
-          <a:lnRef idx="0">
-            <a:scrgbClr r="0" g="0" b="0"/>
-          </a:lnRef>
-          <a:fillRef idx="0">
-            <a:scrgbClr r="0" g="0" b="0"/>
-          </a:fillRef>
-          <a:effectRef idx="0">
-            <a:scrgbClr r="0" g="0" b="0"/>
-          </a:effectRef>
-          <a:fontRef idx="minor"/>
-        </p:style>
-        <p:txBody>
-          <a:bodyPr wrap="none" lIns="90000" tIns="45000" rIns="90000" bIns="45000" anchor="t">
-            <a:spAutoFit/>
-          </a:bodyPr>
-          <a:lstStyle/>
-          <a:p>
-            <a:pPr defTabSz="914400">
-              <a:lnSpc>
-                <a:spcPct val="100000"/>
-              </a:lnSpc>
-            </a:pPr>
-            <a:r>
-              <a:rPr lang="en-US" sz="1200" b="0" u="none" strike="noStrike">
-                <a:solidFill>
-                  <a:schemeClr val="dk1"/>
-                </a:solidFill>
-                <a:uFillTx/>
-                <a:latin typeface="Calibri"/>
-              </a:rPr>
-              <a:t>(rien)</a:t>
-            </a:r>
-            <a:endParaRPr lang="fr-CA" sz="1200" b="0" u="none" strike="noStrike">
-              <a:solidFill>
-                <a:srgbClr val="000000"/>
-              </a:solidFill>
-              <a:uFillTx/>
-              <a:latin typeface="Arial"/>
-            </a:endParaRPr>
           </a:p>
         </p:txBody>
       </p:sp>
@@ -10475,7 +10406,7 @@
                 <a:uFillTx/>
                 <a:latin typeface="Calibri"/>
               </a:rPr>
-              <a:t>Pickup coral station 2</a:t>
+              <a:t>Pickup coral station 1</a:t>
             </a:r>
             <a:endParaRPr lang="fr-CA" sz="1200" b="0" u="none" strike="noStrike" dirty="0">
               <a:solidFill>
@@ -10496,7 +10427,7 @@
         <p:spPr>
           <a:xfrm>
             <a:off x="8534160" y="3093480"/>
-            <a:ext cx="2227680" cy="272520"/>
+            <a:ext cx="755954" cy="275545"/>
           </a:xfrm>
           <a:prstGeom prst="rect">
             <a:avLst/>
@@ -10530,22 +10461,23 @@
               </a:lnSpc>
             </a:pPr>
             <a:r>
-              <a:rPr lang="en-US" sz="1200" b="0" u="none" strike="noStrike">
-                <a:solidFill>
-                  <a:schemeClr val="dk1"/>
-                </a:solidFill>
-                <a:uFillTx/>
-                <a:latin typeface="Calibri"/>
-              </a:rPr>
-              <a:t>Swerve pointer roues (maintenir)</a:t>
-            </a:r>
-            <a:endParaRPr lang="fr-CA" sz="1200" b="0" u="none" strike="noStrike">
-              <a:solidFill>
-                <a:srgbClr val="000000"/>
-              </a:solidFill>
-              <a:uFillTx/>
-              <a:latin typeface="Arial"/>
-            </a:endParaRPr>
+              <a:rPr lang="fr-CA" sz="1200" b="0" u="none" strike="noStrike" dirty="0" err="1">
+                <a:solidFill>
+                  <a:srgbClr val="000000"/>
+                </a:solidFill>
+                <a:uFillTx/>
+              </a:rPr>
+              <a:t>Preset</a:t>
+            </a:r>
+            <a:r>
+              <a:rPr lang="fr-CA" sz="1200" b="0" u="none" strike="noStrike" dirty="0">
+                <a:solidFill>
+                  <a:srgbClr val="000000"/>
+                </a:solidFill>
+                <a:uFillTx/>
+              </a:rPr>
+              <a:t> L4</a:t>
+            </a:r>
           </a:p>
         </p:txBody>
       </p:sp>
@@ -10558,7 +10490,7 @@
         <p:spPr>
           <a:xfrm>
             <a:off x="8561160" y="3798000"/>
-            <a:ext cx="1199857" cy="275545"/>
+            <a:ext cx="755954" cy="275545"/>
           </a:xfrm>
           <a:prstGeom prst="rect">
             <a:avLst/>
@@ -10599,7 +10531,7 @@
                 <a:uFillTx/>
                 <a:latin typeface="Calibri"/>
               </a:rPr>
-              <a:t>Place right ID 18</a:t>
+              <a:t>Preset L3</a:t>
             </a:r>
             <a:endParaRPr lang="fr-CA" sz="1200" b="0" u="none" strike="noStrike" dirty="0">
               <a:solidFill>
@@ -11043,8 +10975,8 @@
         </p:nvSpPr>
         <p:spPr>
           <a:xfrm>
-            <a:off x="2386800" y="2133720"/>
-            <a:ext cx="517680" cy="272520"/>
+            <a:off x="1542672" y="2096331"/>
+            <a:ext cx="1423188" cy="275545"/>
           </a:xfrm>
           <a:prstGeom prst="rect">
             <a:avLst/>
@@ -11072,22 +11004,42 @@
           </a:bodyPr>
           <a:lstStyle/>
           <a:p>
-            <a:pPr algn="r" defTabSz="914400">
+            <a:pPr defTabSz="914400">
               <a:lnSpc>
                 <a:spcPct val="100000"/>
               </a:lnSpc>
             </a:pPr>
             <a:r>
-              <a:rPr lang="en-US" sz="1200" b="0" u="none" strike="noStrike">
+              <a:rPr lang="en-US" sz="1200" b="0" u="none" strike="noStrike" dirty="0">
                 <a:solidFill>
                   <a:schemeClr val="dk1"/>
                 </a:solidFill>
                 <a:uFillTx/>
                 <a:latin typeface="Calibri"/>
               </a:rPr>
-              <a:t>(rien)</a:t>
-            </a:r>
-            <a:endParaRPr lang="fr-CA" sz="1200" b="0" u="none" strike="noStrike">
+              <a:t>Placer </a:t>
+            </a:r>
+            <a:r>
+              <a:rPr lang="en-US" sz="1200" b="0" u="none" strike="noStrike" dirty="0" err="1">
+                <a:solidFill>
+                  <a:schemeClr val="dk1"/>
+                </a:solidFill>
+                <a:uFillTx/>
+                <a:latin typeface="Calibri"/>
+              </a:rPr>
+              <a:t>corail</a:t>
+            </a:r>
+            <a:r>
+              <a:rPr lang="en-US" sz="1200" b="0" u="none" strike="noStrike" dirty="0">
+                <a:solidFill>
+                  <a:schemeClr val="dk1"/>
+                </a:solidFill>
+                <a:uFillTx/>
+                <a:latin typeface="Calibri"/>
+              </a:rPr>
+              <a:t> gauche</a:t>
+            </a:r>
+            <a:endParaRPr lang="fr-CA" sz="1200" b="0" u="none" strike="noStrike" dirty="0">
               <a:solidFill>
                 <a:srgbClr val="000000"/>
               </a:solidFill>
@@ -11106,7 +11058,7 @@
         <p:spPr>
           <a:xfrm>
             <a:off x="8588160" y="2004120"/>
-            <a:ext cx="1879274" cy="275545"/>
+            <a:ext cx="1351373" cy="275545"/>
           </a:xfrm>
           <a:prstGeom prst="rect">
             <a:avLst/>
@@ -11140,49 +11092,34 @@
               </a:lnSpc>
             </a:pPr>
             <a:r>
-              <a:rPr lang="en-US" sz="1200" dirty="0">
+              <a:rPr lang="en-US" sz="1200" b="0" u="none" strike="noStrike" dirty="0">
                 <a:solidFill>
                   <a:schemeClr val="dk1"/>
                 </a:solidFill>
-                <a:latin typeface="Calibri"/>
-              </a:rPr>
-              <a:t>Set </a:t>
-            </a:r>
-            <a:r>
-              <a:rPr lang="en-US" sz="1200" dirty="0" err="1">
+                <a:uFillTx/>
+                <a:latin typeface="Calibri"/>
+              </a:rPr>
+              <a:t>Placer </a:t>
+            </a:r>
+            <a:r>
+              <a:rPr lang="en-US" sz="1200" b="0" u="none" strike="noStrike" dirty="0" err="1">
                 <a:solidFill>
                   <a:schemeClr val="dk1"/>
                 </a:solidFill>
-                <a:latin typeface="Calibri"/>
-              </a:rPr>
-              <a:t>sens</a:t>
-            </a:r>
-            <a:r>
-              <a:rPr lang="en-US" sz="1200" dirty="0">
+                <a:uFillTx/>
+                <a:latin typeface="Calibri"/>
+              </a:rPr>
+              <a:t>corail</a:t>
+            </a:r>
+            <a:r>
+              <a:rPr lang="en-US" sz="1200" b="0" u="none" strike="noStrike" dirty="0">
                 <a:solidFill>
                   <a:schemeClr val="dk1"/>
                 </a:solidFill>
-                <a:latin typeface="Calibri"/>
-              </a:rPr>
-              <a:t> swerve (</a:t>
-            </a:r>
-            <a:r>
-              <a:rPr lang="en-US" sz="1200" dirty="0" err="1">
-                <a:solidFill>
-                  <a:schemeClr val="dk1"/>
-                </a:solidFill>
-                <a:latin typeface="Calibri"/>
-              </a:rPr>
-              <a:t>si</a:t>
-            </a:r>
-            <a:r>
-              <a:rPr lang="en-US" sz="1200" dirty="0">
-                <a:solidFill>
-                  <a:schemeClr val="dk1"/>
-                </a:solidFill>
-                <a:latin typeface="Calibri"/>
-              </a:rPr>
-              <a:t> inverse)</a:t>
+                <a:uFillTx/>
+                <a:latin typeface="Calibri"/>
+              </a:rPr>
+              <a:t> droite</a:t>
             </a:r>
             <a:endParaRPr lang="fr-CA" sz="1200" b="0" u="none" strike="noStrike" dirty="0">
               <a:solidFill>
@@ -11191,6 +11128,67 @@
               <a:uFillTx/>
               <a:latin typeface="Arial"/>
             </a:endParaRPr>
+          </a:p>
+        </p:txBody>
+      </p:sp>
+      <p:sp>
+        <p:nvSpPr>
+          <p:cNvPr id="2" name="TextBox 45">
+            <a:extLst>
+              <a:ext uri="{FF2B5EF4-FFF2-40B4-BE49-F238E27FC236}">
+                <a16:creationId xmlns:a16="http://schemas.microsoft.com/office/drawing/2014/main" id="{06E387BA-CBB6-C307-2549-52F50312BBBF}"/>
+              </a:ext>
+            </a:extLst>
+          </p:cNvPr>
+          <p:cNvSpPr/>
+          <p:nvPr/>
+        </p:nvSpPr>
+        <p:spPr>
+          <a:xfrm>
+            <a:off x="3977115" y="5665625"/>
+            <a:ext cx="539228" cy="275545"/>
+          </a:xfrm>
+          <a:prstGeom prst="rect">
+            <a:avLst/>
+          </a:prstGeom>
+          <a:noFill/>
+          <a:ln w="0">
+            <a:noFill/>
+          </a:ln>
+        </p:spPr>
+        <p:style>
+          <a:lnRef idx="0">
+            <a:scrgbClr r="0" g="0" b="0"/>
+          </a:lnRef>
+          <a:fillRef idx="0">
+            <a:scrgbClr r="0" g="0" b="0"/>
+          </a:fillRef>
+          <a:effectRef idx="0">
+            <a:scrgbClr r="0" g="0" b="0"/>
+          </a:effectRef>
+          <a:fontRef idx="minor"/>
+        </p:style>
+        <p:txBody>
+          <a:bodyPr wrap="none" lIns="90000" tIns="45000" rIns="90000" bIns="45000" anchor="t">
+            <a:spAutoFit/>
+          </a:bodyPr>
+          <a:lstStyle/>
+          <a:p>
+            <a:pPr defTabSz="914400">
+              <a:lnSpc>
+                <a:spcPct val="100000"/>
+              </a:lnSpc>
+            </a:pPr>
+            <a:r>
+              <a:rPr lang="fr-CA" sz="1200" b="0" u="none" strike="noStrike" dirty="0">
+                <a:solidFill>
+                  <a:srgbClr val="000000"/>
+                </a:solidFill>
+                <a:uFillTx/>
+                <a:latin typeface="Arial"/>
+              </a:rPr>
+              <a:t>(rien)</a:t>
+            </a:r>
           </a:p>
         </p:txBody>
       </p:sp>
@@ -11712,8 +11710,8 @@
         </p:nvSpPr>
         <p:spPr>
           <a:xfrm>
-            <a:off x="6497280" y="5466600"/>
-            <a:ext cx="1848240" cy="638280"/>
+            <a:off x="6483783" y="5466600"/>
+            <a:ext cx="1875235" cy="460211"/>
           </a:xfrm>
           <a:prstGeom prst="rect">
             <a:avLst/>
@@ -11747,29 +11745,36 @@
               </a:lnSpc>
             </a:pPr>
             <a:r>
-              <a:rPr lang="en-US" sz="1200" b="0" u="none" strike="noStrike">
+              <a:rPr lang="en-US" sz="1200" b="0" u="none" strike="noStrike" dirty="0">
                 <a:solidFill>
                   <a:schemeClr val="dk1"/>
                 </a:solidFill>
                 <a:uFillTx/>
                 <a:latin typeface="Calibri"/>
               </a:rPr>
-              <a:t>Winch (hisser: ???)</a:t>
-            </a:r>
-            <a:br>
-              <a:rPr sz="1200"/>
-            </a:br>
-            <a:r>
-              <a:rPr lang="en-US" sz="1200" b="0" u="none" strike="noStrike">
+              <a:t>Winch (hisser: </a:t>
+            </a:r>
+            <a:r>
+              <a:rPr lang="en-US" sz="1200" b="0" u="none" strike="noStrike" dirty="0" err="1">
                 <a:solidFill>
                   <a:schemeClr val="dk1"/>
                 </a:solidFill>
                 <a:uFillTx/>
                 <a:latin typeface="Calibri"/>
               </a:rPr>
-              <a:t>NON TESTÉ</a:t>
-            </a:r>
-            <a:endParaRPr lang="fr-CA" sz="1200" b="0" u="none" strike="noStrike">
+              <a:t>vers</a:t>
+            </a:r>
+            <a:r>
+              <a:rPr lang="en-US" sz="1200" b="0" u="none" strike="noStrike" dirty="0">
+                <a:solidFill>
+                  <a:schemeClr val="dk1"/>
+                </a:solidFill>
+                <a:uFillTx/>
+                <a:latin typeface="Calibri"/>
+              </a:rPr>
+              <a:t> le haut)</a:t>
+            </a:r>
+            <a:endParaRPr lang="fr-CA" sz="1200" b="0" u="none" strike="noStrike" dirty="0">
               <a:solidFill>
                 <a:srgbClr val="000000"/>
               </a:solidFill>
@@ -11784,16 +11789,46 @@
               </a:lnSpc>
             </a:pPr>
             <a:r>
-              <a:rPr lang="en-US" sz="1200" b="0" u="none" strike="noStrike">
+              <a:rPr lang="en-US" sz="1200" b="0" u="none" strike="noStrike" dirty="0" err="1">
                 <a:solidFill>
                   <a:schemeClr val="dk1"/>
                 </a:solidFill>
                 <a:uFillTx/>
                 <a:latin typeface="Calibri"/>
               </a:rPr>
-              <a:t>Maintenir bouton enfoncé.</a:t>
-            </a:r>
-            <a:endParaRPr lang="fr-CA" sz="1200" b="0" u="none" strike="noStrike">
+              <a:t>Maintenir</a:t>
+            </a:r>
+            <a:r>
+              <a:rPr lang="en-US" sz="1200" b="0" u="none" strike="noStrike" dirty="0">
+                <a:solidFill>
+                  <a:schemeClr val="dk1"/>
+                </a:solidFill>
+                <a:uFillTx/>
+                <a:latin typeface="Calibri"/>
+              </a:rPr>
+              <a:t> bouton </a:t>
+            </a:r>
+            <a:r>
+              <a:rPr lang="en-US" sz="1200" b="0" u="none" strike="noStrike" dirty="0" err="1">
+                <a:solidFill>
+                  <a:schemeClr val="dk1"/>
+                </a:solidFill>
+                <a:uFillTx/>
+                <a:latin typeface="Calibri"/>
+              </a:rPr>
+              <a:t>enfoncé</a:t>
+            </a:r>
+            <a:r>
+              <a:rPr lang="en-US" sz="1200" b="0" u="none" strike="noStrike" dirty="0">
+                <a:solidFill>
+                  <a:schemeClr val="dk1"/>
+                </a:solidFill>
+                <a:uFillTx/>
+                <a:latin typeface="Calibri"/>
+              </a:rPr>
+              <a:t>.</a:t>
+            </a:r>
+            <a:endParaRPr lang="fr-CA" sz="1200" b="0" u="none" strike="noStrike" dirty="0">
               <a:solidFill>
                 <a:srgbClr val="000000"/>
               </a:solidFill>
@@ -12079,8 +12114,8 @@
         </p:nvSpPr>
         <p:spPr>
           <a:xfrm>
-            <a:off x="8842320" y="2714760"/>
-            <a:ext cx="755954" cy="275545"/>
+            <a:off x="8675640" y="2689955"/>
+            <a:ext cx="916318" cy="275545"/>
           </a:xfrm>
           <a:prstGeom prst="rect">
             <a:avLst/>
@@ -12121,7 +12156,7 @@
                 <a:uFillTx/>
                 <a:latin typeface="Calibri"/>
               </a:rPr>
-              <a:t>Preset L2</a:t>
+              <a:t>Clamp coral</a:t>
             </a:r>
             <a:endParaRPr lang="fr-CA" sz="1200" b="0" u="none" strike="noStrike" dirty="0">
               <a:solidFill>
@@ -12367,7 +12402,7 @@
         </p:nvSpPr>
         <p:spPr>
           <a:xfrm>
-            <a:off x="2265526" y="2293920"/>
+            <a:off x="2159226" y="2168727"/>
             <a:ext cx="755954" cy="275545"/>
           </a:xfrm>
           <a:prstGeom prst="rect">
@@ -12722,7 +12757,7 @@
               </a:lnSpc>
             </a:pPr>
             <a:r>
-              <a:rPr lang="en-US" sz="1200" b="0" u="none" strike="noStrike">
+              <a:rPr lang="en-US" sz="1200" b="0" u="none" strike="noStrike" dirty="0">
                 <a:solidFill>
                   <a:schemeClr val="dk1"/>
                 </a:solidFill>
@@ -12731,7 +12766,7 @@
               </a:rPr>
               <a:t>Clamp coral</a:t>
             </a:r>
-            <a:endParaRPr lang="fr-CA" sz="1200" b="0" u="none" strike="noStrike">
+            <a:endParaRPr lang="fr-CA" sz="1200" b="0" u="none" strike="noStrike" dirty="0">
               <a:solidFill>
                 <a:srgbClr val="000000"/>
               </a:solidFill>
